--- a/documents/게임 11팀 - 프로젝트 발표 자료.pptx
+++ b/documents/게임 11팀 - 프로젝트 발표 자료.pptx
@@ -261,7 +261,7 @@
           <a:p>
             <a:fld id="{0D8FE40E-F41A-4DB0-A97C-037E9626B4B7}" type="datetimeFigureOut">
               <a:rPr lang="ko-KR" altLang="en-US" smtClean="0"/>
-              <a:t>2025-12-06</a:t>
+              <a:t>2025-12-07</a:t>
             </a:fld>
             <a:endParaRPr lang="ko-KR" altLang="en-US"/>
           </a:p>
@@ -459,7 +459,7 @@
           <a:p>
             <a:fld id="{0D8FE40E-F41A-4DB0-A97C-037E9626B4B7}" type="datetimeFigureOut">
               <a:rPr lang="ko-KR" altLang="en-US" smtClean="0"/>
-              <a:t>2025-12-06</a:t>
+              <a:t>2025-12-07</a:t>
             </a:fld>
             <a:endParaRPr lang="ko-KR" altLang="en-US"/>
           </a:p>
@@ -667,7 +667,7 @@
           <a:p>
             <a:fld id="{0D8FE40E-F41A-4DB0-A97C-037E9626B4B7}" type="datetimeFigureOut">
               <a:rPr lang="ko-KR" altLang="en-US" smtClean="0"/>
-              <a:t>2025-12-06</a:t>
+              <a:t>2025-12-07</a:t>
             </a:fld>
             <a:endParaRPr lang="ko-KR" altLang="en-US"/>
           </a:p>
@@ -865,7 +865,7 @@
           <a:p>
             <a:fld id="{0D8FE40E-F41A-4DB0-A97C-037E9626B4B7}" type="datetimeFigureOut">
               <a:rPr lang="ko-KR" altLang="en-US" smtClean="0"/>
-              <a:t>2025-12-06</a:t>
+              <a:t>2025-12-07</a:t>
             </a:fld>
             <a:endParaRPr lang="ko-KR" altLang="en-US"/>
           </a:p>
@@ -1140,7 +1140,7 @@
           <a:p>
             <a:fld id="{0D8FE40E-F41A-4DB0-A97C-037E9626B4B7}" type="datetimeFigureOut">
               <a:rPr lang="ko-KR" altLang="en-US" smtClean="0"/>
-              <a:t>2025-12-06</a:t>
+              <a:t>2025-12-07</a:t>
             </a:fld>
             <a:endParaRPr lang="ko-KR" altLang="en-US"/>
           </a:p>
@@ -1405,7 +1405,7 @@
           <a:p>
             <a:fld id="{0D8FE40E-F41A-4DB0-A97C-037E9626B4B7}" type="datetimeFigureOut">
               <a:rPr lang="ko-KR" altLang="en-US" smtClean="0"/>
-              <a:t>2025-12-06</a:t>
+              <a:t>2025-12-07</a:t>
             </a:fld>
             <a:endParaRPr lang="ko-KR" altLang="en-US"/>
           </a:p>
@@ -1817,7 +1817,7 @@
           <a:p>
             <a:fld id="{0D8FE40E-F41A-4DB0-A97C-037E9626B4B7}" type="datetimeFigureOut">
               <a:rPr lang="ko-KR" altLang="en-US" smtClean="0"/>
-              <a:t>2025-12-06</a:t>
+              <a:t>2025-12-07</a:t>
             </a:fld>
             <a:endParaRPr lang="ko-KR" altLang="en-US"/>
           </a:p>
@@ -1958,7 +1958,7 @@
           <a:p>
             <a:fld id="{0D8FE40E-F41A-4DB0-A97C-037E9626B4B7}" type="datetimeFigureOut">
               <a:rPr lang="ko-KR" altLang="en-US" smtClean="0"/>
-              <a:t>2025-12-06</a:t>
+              <a:t>2025-12-07</a:t>
             </a:fld>
             <a:endParaRPr lang="ko-KR" altLang="en-US"/>
           </a:p>
@@ -2071,7 +2071,7 @@
           <a:p>
             <a:fld id="{0D8FE40E-F41A-4DB0-A97C-037E9626B4B7}" type="datetimeFigureOut">
               <a:rPr lang="ko-KR" altLang="en-US" smtClean="0"/>
-              <a:t>2025-12-06</a:t>
+              <a:t>2025-12-07</a:t>
             </a:fld>
             <a:endParaRPr lang="ko-KR" altLang="en-US"/>
           </a:p>
@@ -2382,7 +2382,7 @@
           <a:p>
             <a:fld id="{0D8FE40E-F41A-4DB0-A97C-037E9626B4B7}" type="datetimeFigureOut">
               <a:rPr lang="ko-KR" altLang="en-US" smtClean="0"/>
-              <a:t>2025-12-06</a:t>
+              <a:t>2025-12-07</a:t>
             </a:fld>
             <a:endParaRPr lang="ko-KR" altLang="en-US"/>
           </a:p>
@@ -2670,7 +2670,7 @@
           <a:p>
             <a:fld id="{0D8FE40E-F41A-4DB0-A97C-037E9626B4B7}" type="datetimeFigureOut">
               <a:rPr lang="ko-KR" altLang="en-US" smtClean="0"/>
-              <a:t>2025-12-06</a:t>
+              <a:t>2025-12-07</a:t>
             </a:fld>
             <a:endParaRPr lang="ko-KR" altLang="en-US"/>
           </a:p>
@@ -2911,7 +2911,7 @@
           <a:p>
             <a:fld id="{0D8FE40E-F41A-4DB0-A97C-037E9626B4B7}" type="datetimeFigureOut">
               <a:rPr lang="ko-KR" altLang="en-US" smtClean="0"/>
-              <a:t>2025-12-06</a:t>
+              <a:t>2025-12-07</a:t>
             </a:fld>
             <a:endParaRPr lang="ko-KR" altLang="en-US"/>
           </a:p>
@@ -3428,6 +3428,87 @@
           </a:p>
         </p:txBody>
       </p:sp>
+      <p:sp>
+        <p:nvSpPr>
+          <p:cNvPr id="2" name="TextBox 1">
+            <a:extLst>
+              <a:ext uri="{FF2B5EF4-FFF2-40B4-BE49-F238E27FC236}">
+                <a16:creationId xmlns:a16="http://schemas.microsoft.com/office/drawing/2014/main" id="{50B23005-97B1-7993-BC66-B0FADC5BCE9A}"/>
+              </a:ext>
+            </a:extLst>
+          </p:cNvPr>
+          <p:cNvSpPr txBox="1"/>
+          <p:nvPr/>
+        </p:nvSpPr>
+        <p:spPr>
+          <a:xfrm>
+            <a:off x="717755" y="2227734"/>
+            <a:ext cx="10867077" cy="461665"/>
+          </a:xfrm>
+          <a:prstGeom prst="rect">
+            <a:avLst/>
+          </a:prstGeom>
+          <a:noFill/>
+        </p:spPr>
+        <p:txBody>
+          <a:bodyPr wrap="none" rtlCol="0">
+            <a:spAutoFit/>
+          </a:bodyPr>
+          <a:lstStyle/>
+          <a:p>
+            <a:r>
+              <a:rPr lang="ko-KR" altLang="en-US" sz="2400" dirty="0"/>
+              <a:t>사격장 내에서 목표물을 조준하고 총을 쏘아 점수를 획득하는 </a:t>
+            </a:r>
+            <a:r>
+              <a:rPr lang="en-US" altLang="ko-KR" sz="2400" dirty="0"/>
+              <a:t>1</a:t>
+            </a:r>
+            <a:r>
+              <a:rPr lang="ko-KR" altLang="en-US" sz="2400" dirty="0"/>
+              <a:t>인칭 </a:t>
+            </a:r>
+            <a:r>
+              <a:rPr lang="en-US" altLang="ko-KR" sz="2400" dirty="0"/>
+              <a:t>FPS </a:t>
+            </a:r>
+            <a:r>
+              <a:rPr lang="ko-KR" altLang="en-US" sz="2400" dirty="0"/>
+              <a:t>게임</a:t>
+            </a:r>
+          </a:p>
+        </p:txBody>
+      </p:sp>
+      <p:pic>
+        <p:nvPicPr>
+          <p:cNvPr id="3" name="그림 2">
+            <a:extLst>
+              <a:ext uri="{FF2B5EF4-FFF2-40B4-BE49-F238E27FC236}">
+                <a16:creationId xmlns:a16="http://schemas.microsoft.com/office/drawing/2014/main" id="{357B018E-437F-EF4A-4E1C-15A098AAFBC5}"/>
+              </a:ext>
+            </a:extLst>
+          </p:cNvPr>
+          <p:cNvPicPr>
+            <a:picLocks noChangeAspect="1"/>
+          </p:cNvPicPr>
+          <p:nvPr/>
+        </p:nvPicPr>
+        <p:blipFill>
+          <a:blip r:embed="rId2"/>
+          <a:stretch>
+            <a:fillRect/>
+          </a:stretch>
+        </p:blipFill>
+        <p:spPr>
+          <a:xfrm>
+            <a:off x="1111045" y="3292287"/>
+            <a:ext cx="3777460" cy="2806653"/>
+          </a:xfrm>
+          <a:prstGeom prst="rect">
+            <a:avLst/>
+          </a:prstGeom>
+        </p:spPr>
+      </p:pic>
     </p:spTree>
     <p:extLst>
       <p:ext uri="{BB962C8B-B14F-4D97-AF65-F5344CB8AC3E}">
@@ -3508,7 +3589,7 @@
         <p:spPr>
           <a:xfrm>
             <a:off x="717755" y="2136338"/>
-            <a:ext cx="10844635" cy="3231654"/>
+            <a:ext cx="10844635" cy="3785652"/>
           </a:xfrm>
           <a:prstGeom prst="rect">
             <a:avLst/>
@@ -3603,6 +3684,27 @@
             <a:r>
               <a:rPr lang="ko-KR" altLang="en-US" dirty="0"/>
               <a:t>화면 좌측 상단에 그 개수가 표시된다</a:t>
+            </a:r>
+            <a:r>
+              <a:rPr lang="en-US" altLang="ko-KR" dirty="0"/>
+              <a:t>.</a:t>
+            </a:r>
+          </a:p>
+          <a:p>
+            <a:endParaRPr lang="en-US" altLang="ko-KR" dirty="0"/>
+          </a:p>
+          <a:p>
+            <a:r>
+              <a:rPr lang="ko-KR" altLang="en-US" dirty="0"/>
+              <a:t>목표 점수를 충족하면 다음 스테이지로</a:t>
+            </a:r>
+            <a:r>
+              <a:rPr lang="en-US" altLang="ko-KR" dirty="0"/>
+              <a:t>, </a:t>
+            </a:r>
+            <a:r>
+              <a:rPr lang="ko-KR" altLang="en-US" dirty="0"/>
+              <a:t>그렇지 않으면 게임 오버가 된다</a:t>
             </a:r>
             <a:r>
               <a:rPr lang="en-US" altLang="ko-KR" dirty="0"/>
@@ -3676,6 +3778,36 @@
           </a:p>
         </p:txBody>
       </p:sp>
+      <p:pic>
+        <p:nvPicPr>
+          <p:cNvPr id="4" name="그림 3">
+            <a:extLst>
+              <a:ext uri="{FF2B5EF4-FFF2-40B4-BE49-F238E27FC236}">
+                <a16:creationId xmlns:a16="http://schemas.microsoft.com/office/drawing/2014/main" id="{346802B6-C5C6-E31B-1089-C8622D9B5A62}"/>
+              </a:ext>
+            </a:extLst>
+          </p:cNvPr>
+          <p:cNvPicPr>
+            <a:picLocks noChangeAspect="1"/>
+          </p:cNvPicPr>
+          <p:nvPr/>
+        </p:nvPicPr>
+        <p:blipFill>
+          <a:blip r:embed="rId2"/>
+          <a:stretch>
+            <a:fillRect/>
+          </a:stretch>
+        </p:blipFill>
+        <p:spPr>
+          <a:xfrm>
+            <a:off x="2574179" y="1339436"/>
+            <a:ext cx="7043642" cy="5233427"/>
+          </a:xfrm>
+          <a:prstGeom prst="rect">
+            <a:avLst/>
+          </a:prstGeom>
+        </p:spPr>
+      </p:pic>
     </p:spTree>
     <p:extLst>
       <p:ext uri="{BB962C8B-B14F-4D97-AF65-F5344CB8AC3E}">
